--- a/Future developments.pptx
+++ b/Future developments.pptx
@@ -6,9 +6,9 @@
   </p:sldMasterIdLst>
   <p:sldIdLst>
     <p:sldId id="256" r:id="rId2"/>
-    <p:sldId id="258" r:id="rId3"/>
-    <p:sldId id="257" r:id="rId4"/>
-    <p:sldId id="260" r:id="rId5"/>
+    <p:sldId id="260" r:id="rId3"/>
+    <p:sldId id="258" r:id="rId4"/>
+    <p:sldId id="257" r:id="rId5"/>
     <p:sldId id="259" r:id="rId6"/>
   </p:sldIdLst>
   <p:sldSz cx="12192000" cy="6858000"/>
@@ -108,6 +108,24 @@
       </a:defRPr>
     </a:lvl9pPr>
   </p:defaultTextStyle>
+  <p:extLst>
+    <p:ext uri="{521415D9-36F7-43E2-AB2F-B90AF26B5E84}">
+      <p14:sectionLst xmlns:p14="http://schemas.microsoft.com/office/powerpoint/2010/main">
+        <p14:section name="Default Section" id="{C5651685-F3AB-6D4C-8C45-073606DFC742}">
+          <p14:sldIdLst>
+            <p14:sldId id="256"/>
+            <p14:sldId id="260"/>
+            <p14:sldId id="258"/>
+            <p14:sldId id="257"/>
+            <p14:sldId id="259"/>
+          </p14:sldIdLst>
+        </p14:section>
+      </p14:sectionLst>
+    </p:ext>
+    <p:ext uri="{EFAFB233-063F-42B5-8137-9DF3F51BA10A}">
+      <p15:sldGuideLst xmlns:p15="http://schemas.microsoft.com/office/powerpoint/2012/main"/>
+    </p:ext>
+  </p:extLst>
 </p:presentation>
 </file>
 
@@ -3439,7 +3457,7 @@
           <p:cNvPr id="2" name="Title 1">
             <a:extLst>
               <a:ext uri="{FF2B5EF4-FFF2-40B4-BE49-F238E27FC236}">
-                <a16:creationId xmlns:a16="http://schemas.microsoft.com/office/drawing/2014/main" id="{6A5FB7FA-9670-40F2-8153-1E20D992F5CF}"/>
+                <a16:creationId xmlns:a16="http://schemas.microsoft.com/office/drawing/2014/main" id="{7CF21D6B-F451-354C-BACE-251B78F23E79}"/>
               </a:ext>
             </a:extLst>
           </p:cNvPr>
@@ -3457,9 +3475,8 @@
           <a:p>
             <a:r>
               <a:rPr lang="en-US" dirty="0"/>
-              <a:t>Point allocation</a:t>
-            </a:r>
-            <a:endParaRPr lang="en-GB" dirty="0"/>
+              <a:t>Teams</a:t>
+            </a:r>
           </a:p>
         </p:txBody>
       </p:sp>
@@ -3468,7 +3485,7 @@
           <p:cNvPr id="3" name="Content Placeholder 2">
             <a:extLst>
               <a:ext uri="{FF2B5EF4-FFF2-40B4-BE49-F238E27FC236}">
-                <a16:creationId xmlns:a16="http://schemas.microsoft.com/office/drawing/2014/main" id="{908F811E-5BD3-4C35-975B-D1285C8EE01B}"/>
+                <a16:creationId xmlns:a16="http://schemas.microsoft.com/office/drawing/2014/main" id="{8ACBFC4A-AE90-FD4E-ADDC-196482825200}"/>
               </a:ext>
             </a:extLst>
           </p:cNvPr>
@@ -3486,34 +3503,41 @@
           <a:p>
             <a:r>
               <a:rPr lang="en-US" dirty="0"/>
-              <a:t>Currently, a team is allocated 10 points upon the capture of a building.</a:t>
+              <a:t>Currently players can only create or join teams. Captured territories are bound to individual players</a:t>
             </a:r>
           </a:p>
           <a:p>
             <a:r>
               <a:rPr lang="en-US" dirty="0"/>
-              <a:t>This would be changed to a building being available for capture every 24 hours, with the number of participants on each team who capture a location being the measure of points gained.</a:t>
+              <a:t>Plan to associate captured territories with team</a:t>
             </a:r>
           </a:p>
           <a:p>
             <a:r>
               <a:rPr lang="en-US" dirty="0"/>
-              <a:t>This encourages more participation within teams</a:t>
-            </a:r>
-          </a:p>
-          <a:p>
+              <a:t>To discuss:</a:t>
+            </a:r>
+          </a:p>
+          <a:p>
+            <a:pPr lvl="1"/>
             <a:r>
               <a:rPr lang="en-US" dirty="0"/>
-              <a:t>Prevents system being gained by two players simply capturing the location one after the other.</a:t>
-            </a:r>
-            <a:endParaRPr lang="en-GB" dirty="0"/>
+              <a:t>Player can create own teams (may result in large number of teams)</a:t>
+            </a:r>
+          </a:p>
+          <a:p>
+            <a:pPr lvl="1"/>
+            <a:r>
+              <a:rPr lang="en-US" dirty="0"/>
+              <a:t>Create predefined teams of University courses/departments (Computer science, Psychology, Medicine). This way we can improve our map by coloring territories according to the teams’ course</a:t>
+            </a:r>
           </a:p>
         </p:txBody>
       </p:sp>
     </p:spTree>
     <p:extLst>
       <p:ext uri="{BB962C8B-B14F-4D97-AF65-F5344CB8AC3E}">
-        <p14:creationId xmlns:p14="http://schemas.microsoft.com/office/powerpoint/2010/main" val="2177213691"/>
+        <p14:creationId xmlns:p14="http://schemas.microsoft.com/office/powerpoint/2010/main" val="1944821505"/>
       </p:ext>
     </p:extLst>
   </p:cSld>
@@ -3545,7 +3569,7 @@
           <p:cNvPr id="2" name="Title 1">
             <a:extLst>
               <a:ext uri="{FF2B5EF4-FFF2-40B4-BE49-F238E27FC236}">
-                <a16:creationId xmlns:a16="http://schemas.microsoft.com/office/drawing/2014/main" id="{55E14788-854B-468B-810C-779DED97E1E7}"/>
+                <a16:creationId xmlns:a16="http://schemas.microsoft.com/office/drawing/2014/main" id="{6A5FB7FA-9670-40F2-8153-1E20D992F5CF}"/>
               </a:ext>
             </a:extLst>
           </p:cNvPr>
@@ -3563,7 +3587,7 @@
           <a:p>
             <a:r>
               <a:rPr lang="en-US" dirty="0"/>
-              <a:t>Leaderboard within Team</a:t>
+              <a:t>Point allocation</a:t>
             </a:r>
             <a:endParaRPr lang="en-GB" dirty="0"/>
           </a:p>
@@ -3574,7 +3598,7 @@
           <p:cNvPr id="3" name="Content Placeholder 2">
             <a:extLst>
               <a:ext uri="{FF2B5EF4-FFF2-40B4-BE49-F238E27FC236}">
-                <a16:creationId xmlns:a16="http://schemas.microsoft.com/office/drawing/2014/main" id="{0E83D6C1-F233-4036-A04C-6CB970A3D1A3}"/>
+                <a16:creationId xmlns:a16="http://schemas.microsoft.com/office/drawing/2014/main" id="{908F811E-5BD3-4C35-975B-D1285C8EE01B}"/>
               </a:ext>
             </a:extLst>
           </p:cNvPr>
@@ -3592,25 +3616,25 @@
           <a:p>
             <a:r>
               <a:rPr lang="en-US" dirty="0"/>
-              <a:t>Currently the only ranking is between separate teams</a:t>
+              <a:t>Currently, a player is allocated 10 points upon the capture of a building.</a:t>
             </a:r>
           </a:p>
           <a:p>
             <a:r>
               <a:rPr lang="en-US" dirty="0"/>
-              <a:t>Points are not allocated to individuals but their teams</a:t>
+              <a:t>This would be changed to a building being available for capture every 24 hours, with the number of participants on each team who capture a location being the measure of points gained.</a:t>
             </a:r>
           </a:p>
           <a:p>
             <a:r>
               <a:rPr lang="en-US" dirty="0"/>
-              <a:t>Plan to change to a system of a team’s point total being the sum of that team’s members’ points.</a:t>
+              <a:t>This encourages more participation within teams</a:t>
             </a:r>
           </a:p>
           <a:p>
             <a:r>
               <a:rPr lang="en-US" dirty="0"/>
-              <a:t>Puts greater focus on participation of each team member</a:t>
+              <a:t>Prevents system being gained by two players simply capturing the location one after the other.</a:t>
             </a:r>
             <a:endParaRPr lang="en-GB" dirty="0"/>
           </a:p>
@@ -3619,7 +3643,7 @@
     </p:spTree>
     <p:extLst>
       <p:ext uri="{BB962C8B-B14F-4D97-AF65-F5344CB8AC3E}">
-        <p14:creationId xmlns:p14="http://schemas.microsoft.com/office/powerpoint/2010/main" val="3346286501"/>
+        <p14:creationId xmlns:p14="http://schemas.microsoft.com/office/powerpoint/2010/main" val="2177213691"/>
       </p:ext>
     </p:extLst>
   </p:cSld>
@@ -3651,7 +3675,7 @@
           <p:cNvPr id="2" name="Title 1">
             <a:extLst>
               <a:ext uri="{FF2B5EF4-FFF2-40B4-BE49-F238E27FC236}">
-                <a16:creationId xmlns:a16="http://schemas.microsoft.com/office/drawing/2014/main" id="{CBC129E6-25F5-4387-AFE6-9BB6CA553116}"/>
+                <a16:creationId xmlns:a16="http://schemas.microsoft.com/office/drawing/2014/main" id="{55E14788-854B-468B-810C-779DED97E1E7}"/>
               </a:ext>
             </a:extLst>
           </p:cNvPr>
@@ -3669,7 +3693,7 @@
           <a:p>
             <a:r>
               <a:rPr lang="en-US" dirty="0"/>
-              <a:t>Increase the number of capturable locations</a:t>
+              <a:t>Leaderboard</a:t>
             </a:r>
             <a:endParaRPr lang="en-GB" dirty="0"/>
           </a:p>
@@ -3680,7 +3704,7 @@
           <p:cNvPr id="3" name="Content Placeholder 2">
             <a:extLst>
               <a:ext uri="{FF2B5EF4-FFF2-40B4-BE49-F238E27FC236}">
-                <a16:creationId xmlns:a16="http://schemas.microsoft.com/office/drawing/2014/main" id="{63F19197-DE69-4239-8AFD-9CCAF19AB685}"/>
+                <a16:creationId xmlns:a16="http://schemas.microsoft.com/office/drawing/2014/main" id="{0E83D6C1-F233-4036-A04C-6CB970A3D1A3}"/>
               </a:ext>
             </a:extLst>
           </p:cNvPr>
@@ -3698,29 +3722,40 @@
           <a:p>
             <a:r>
               <a:rPr lang="en-US" dirty="0"/>
-              <a:t>Currently only two buildings on campus, the forum and the </a:t>
-            </a:r>
-            <a:r>
-              <a:rPr lang="en-US" dirty="0" err="1"/>
-              <a:t>Streatham</a:t>
-            </a:r>
+              <a:t>Currently the only ranking is between separate individual players</a:t>
+            </a:r>
+          </a:p>
+          <a:p>
             <a:r>
               <a:rPr lang="en-US" dirty="0"/>
-              <a:t> court.</a:t>
-            </a:r>
-          </a:p>
-          <a:p>
-            <a:r>
-              <a:rPr lang="en-GB" dirty="0"/>
-              <a:t>More buildings means the game can be played by people who don’t necessarily frequent these buildings, making it more accessible.</a:t>
-            </a:r>
+              <a:t>Points are allocated to individuals but not their teams</a:t>
+            </a:r>
+          </a:p>
+          <a:p>
+            <a:r>
+              <a:rPr lang="en-US" dirty="0"/>
+              <a:t>Plan to change to a system of a team’s point total being the sum of that team’s members’ points.</a:t>
+            </a:r>
+          </a:p>
+          <a:p>
+            <a:r>
+              <a:rPr lang="en-US" dirty="0"/>
+              <a:t>We will also add a leaderboard within teams, showing which team member got the highest points</a:t>
+            </a:r>
+          </a:p>
+          <a:p>
+            <a:r>
+              <a:rPr lang="en-US" dirty="0"/>
+              <a:t>Puts greater focus on participation of each team member</a:t>
+            </a:r>
+            <a:endParaRPr lang="en-GB" dirty="0"/>
           </a:p>
         </p:txBody>
       </p:sp>
     </p:spTree>
     <p:extLst>
       <p:ext uri="{BB962C8B-B14F-4D97-AF65-F5344CB8AC3E}">
-        <p14:creationId xmlns:p14="http://schemas.microsoft.com/office/powerpoint/2010/main" val="3968916808"/>
+        <p14:creationId xmlns:p14="http://schemas.microsoft.com/office/powerpoint/2010/main" val="3346286501"/>
       </p:ext>
     </p:extLst>
   </p:cSld>
@@ -3752,7 +3787,7 @@
           <p:cNvPr id="2" name="Title 1">
             <a:extLst>
               <a:ext uri="{FF2B5EF4-FFF2-40B4-BE49-F238E27FC236}">
-                <a16:creationId xmlns:a16="http://schemas.microsoft.com/office/drawing/2014/main" id="{60BCE850-0ED2-4927-8652-BB49D632CD52}"/>
+                <a16:creationId xmlns:a16="http://schemas.microsoft.com/office/drawing/2014/main" id="{8DE281CC-6969-8F40-82DF-D18A43D7FAE2}"/>
               </a:ext>
             </a:extLst>
           </p:cNvPr>
@@ -3770,9 +3805,8 @@
           <a:p>
             <a:r>
               <a:rPr lang="en-US" dirty="0"/>
-              <a:t>Fine-tuning of capturable locations</a:t>
-            </a:r>
-            <a:endParaRPr lang="en-GB" dirty="0"/>
+              <a:t>Game Keeper view</a:t>
+            </a:r>
           </a:p>
         </p:txBody>
       </p:sp>
@@ -3781,7 +3815,7 @@
           <p:cNvPr id="3" name="Content Placeholder 2">
             <a:extLst>
               <a:ext uri="{FF2B5EF4-FFF2-40B4-BE49-F238E27FC236}">
-                <a16:creationId xmlns:a16="http://schemas.microsoft.com/office/drawing/2014/main" id="{7D4870AB-A0CE-4000-9E15-839600E9BE84}"/>
+                <a16:creationId xmlns:a16="http://schemas.microsoft.com/office/drawing/2014/main" id="{F77B0624-AF99-6C4B-B459-86AEBF285A83}"/>
               </a:ext>
             </a:extLst>
           </p:cNvPr>
@@ -3799,60 +3833,41 @@
           <a:p>
             <a:r>
               <a:rPr lang="en-US" dirty="0"/>
-              <a:t>Currently the distance away from a building required to capture a location is too far.</a:t>
+              <a:t>Currently game keeper can add new territories by entering the latitude and longitude of the building</a:t>
             </a:r>
           </a:p>
           <a:p>
             <a:r>
               <a:rPr lang="en-US" dirty="0"/>
-              <a:t>It is possible to capture </a:t>
-            </a:r>
-            <a:r>
-              <a:rPr lang="en-US" dirty="0" err="1"/>
-              <a:t>Streatham</a:t>
-            </a:r>
+              <a:t>Plan to improve the view so that adding new territories will be more dynamic</a:t>
+            </a:r>
+          </a:p>
+          <a:p>
             <a:r>
               <a:rPr lang="en-US" dirty="0"/>
-              <a:t> Court while sat in the Peter Chalk building.</a:t>
-            </a:r>
-          </a:p>
-          <a:p>
+              <a:t>Options:</a:t>
+            </a:r>
+          </a:p>
+          <a:p>
+            <a:pPr lvl="1"/>
             <a:r>
               <a:rPr lang="en-US" dirty="0"/>
-              <a:t>This could also be changed to a method not purely based on distance.</a:t>
-            </a:r>
-          </a:p>
-          <a:p>
+              <a:t>Game keeper will select building directly on the map by adding marker</a:t>
+            </a:r>
+          </a:p>
+          <a:p>
+            <a:pPr lvl="1"/>
             <a:r>
               <a:rPr lang="en-US" dirty="0"/>
-              <a:t>Such as:</a:t>
-            </a:r>
-          </a:p>
-          <a:p>
-            <a:pPr lvl="1"/>
-            <a:r>
-              <a:rPr lang="en-US" dirty="0"/>
-              <a:t>Voronoi tessellation</a:t>
-            </a:r>
-          </a:p>
-          <a:p>
-            <a:pPr lvl="1"/>
-            <a:r>
-              <a:rPr lang="en-GB" dirty="0"/>
-              <a:t>Delaunay</a:t>
-            </a:r>
-            <a:r>
-              <a:rPr lang="en-US" dirty="0"/>
-              <a:t> triangulation</a:t>
-            </a:r>
-            <a:endParaRPr lang="en-GB" dirty="0"/>
+              <a:t>Game Keeper will be presented with all available buildings on University campus, and will choose which buildings to add</a:t>
+            </a:r>
           </a:p>
         </p:txBody>
       </p:sp>
     </p:spTree>
     <p:extLst>
       <p:ext uri="{BB962C8B-B14F-4D97-AF65-F5344CB8AC3E}">
-        <p14:creationId xmlns:p14="http://schemas.microsoft.com/office/powerpoint/2010/main" val="782361264"/>
+        <p14:creationId xmlns:p14="http://schemas.microsoft.com/office/powerpoint/2010/main" val="4198341697"/>
       </p:ext>
     </p:extLst>
   </p:cSld>
